--- a/Week7/W1.01. Course Introduction.pptx
+++ b/Week7/W1.01. Course Introduction.pptx
@@ -162,6 +162,35 @@
 </p:presentation>
 </file>
 
+<file path=ppt/changesInfos/changesInfo1.xml><?xml version="1.0" encoding="utf-8"?>
+<pc:chgInfo xmlns:a="http://schemas.openxmlformats.org/drawingml/2006/main" xmlns:r="http://schemas.openxmlformats.org/officeDocument/2006/relationships" xmlns:ac="http://schemas.microsoft.com/office/drawing/2013/main/command" xmlns:pc="http://schemas.microsoft.com/office/powerpoint/2013/main/command">
+  <pc:docChgLst>
+    <pc:chgData name="Chuck Kiefriter" userId="a996b49251c4dfd2" providerId="LiveId" clId="{A784B26C-C4E3-40E4-9475-574F7096F082}"/>
+    <pc:docChg chg="modSld">
+      <pc:chgData name="Chuck Kiefriter" userId="a996b49251c4dfd2" providerId="LiveId" clId="{A784B26C-C4E3-40E4-9475-574F7096F082}" dt="2024-03-20T21:30:07.531" v="0" actId="14100"/>
+      <pc:docMkLst>
+        <pc:docMk/>
+      </pc:docMkLst>
+      <pc:sldChg chg="modSp mod">
+        <pc:chgData name="Chuck Kiefriter" userId="a996b49251c4dfd2" providerId="LiveId" clId="{A784B26C-C4E3-40E4-9475-574F7096F082}" dt="2024-03-20T21:30:07.531" v="0" actId="14100"/>
+        <pc:sldMkLst>
+          <pc:docMk/>
+          <pc:sldMk cId="1486241029" sldId="259"/>
+        </pc:sldMkLst>
+        <pc:spChg chg="mod">
+          <ac:chgData name="Chuck Kiefriter" userId="a996b49251c4dfd2" providerId="LiveId" clId="{A784B26C-C4E3-40E4-9475-574F7096F082}" dt="2024-03-20T21:30:07.531" v="0" actId="14100"/>
+          <ac:spMkLst>
+            <pc:docMk/>
+            <pc:sldMk cId="1486241029" sldId="259"/>
+            <ac:spMk id="3" creationId="{517F6981-3F9D-491E-9565-4C048DFCECCD}"/>
+          </ac:spMkLst>
+        </pc:spChg>
+      </pc:sldChg>
+    </pc:docChg>
+  </pc:docChgLst>
+</pc:chgInfo>
+</file>
+
 <file path=ppt/notesMasters/notesMaster1.xml><?xml version="1.0" encoding="utf-8"?>
 <p:notesMaster xmlns:a="http://schemas.openxmlformats.org/drawingml/2006/main" xmlns:r="http://schemas.openxmlformats.org/officeDocument/2006/relationships" xmlns:p="http://schemas.openxmlformats.org/presentationml/2006/main">
   <p:cSld>
@@ -244,7 +273,7 @@
           <a:p>
             <a:fld id="{BF1BC3E4-C956-40CB-AFCD-8F927AFF366E}" type="datetimeFigureOut">
               <a:rPr lang="en-US" smtClean="0"/>
-              <a:t>1/17/2022</a:t>
+              <a:t>3/20/2024</a:t>
             </a:fld>
             <a:endParaRPr lang="en-US"/>
           </a:p>
@@ -839,7 +868,7 @@
           <a:p>
             <a:fld id="{548C5E67-172B-4F6A-B3B9-DEF72F952E5B}" type="datetimeFigureOut">
               <a:rPr lang="en-US" smtClean="0"/>
-              <a:t>1/17/2022</a:t>
+              <a:t>3/20/2024</a:t>
             </a:fld>
             <a:endParaRPr lang="en-US"/>
           </a:p>
@@ -1043,7 +1072,7 @@
           <a:p>
             <a:fld id="{548C5E67-172B-4F6A-B3B9-DEF72F952E5B}" type="datetimeFigureOut">
               <a:rPr lang="en-US" smtClean="0"/>
-              <a:t>1/17/2022</a:t>
+              <a:t>3/20/2024</a:t>
             </a:fld>
             <a:endParaRPr lang="en-US"/>
           </a:p>
@@ -1237,7 +1266,7 @@
           <a:p>
             <a:fld id="{548C5E67-172B-4F6A-B3B9-DEF72F952E5B}" type="datetimeFigureOut">
               <a:rPr lang="en-US" smtClean="0"/>
-              <a:t>1/17/2022</a:t>
+              <a:t>3/20/2024</a:t>
             </a:fld>
             <a:endParaRPr lang="en-US"/>
           </a:p>
@@ -2282,7 +2311,7 @@
           <a:p>
             <a:fld id="{548C5E67-172B-4F6A-B3B9-DEF72F952E5B}" type="datetimeFigureOut">
               <a:rPr lang="en-US" smtClean="0"/>
-              <a:t>1/17/2022</a:t>
+              <a:t>3/20/2024</a:t>
             </a:fld>
             <a:endParaRPr lang="en-US"/>
           </a:p>
@@ -2563,7 +2592,7 @@
           <a:p>
             <a:fld id="{548C5E67-172B-4F6A-B3B9-DEF72F952E5B}" type="datetimeFigureOut">
               <a:rPr lang="en-US" smtClean="0"/>
-              <a:t>1/17/2022</a:t>
+              <a:t>3/20/2024</a:t>
             </a:fld>
             <a:endParaRPr lang="en-US"/>
           </a:p>
@@ -4603,7 +4632,7 @@
         <p:spPr>
           <a:xfrm>
             <a:off x="838200" y="1825625"/>
-            <a:ext cx="5834743" cy="4351338"/>
+            <a:ext cx="8314944" cy="4351338"/>
           </a:xfrm>
         </p:spPr>
         <p:txBody>
